--- a/lectures/recursion/day4-binsearch-slides.pptx
+++ b/lectures/recursion/day4-binsearch-slides.pptx
@@ -362,7 +362,7 @@
           <a:p>
             <a:fld id="{1D1C7887-FE64-E343-8A1A-268AF7ABBA6A}" type="datetimeFigureOut">
               <a:rPr lang="en-US" smtClean="0"/>
-              <a:t>10/26/21</a:t>
+              <a:t>10/28/22</a:t>
             </a:fld>
             <a:endParaRPr lang="en-US"/>
           </a:p>
@@ -530,7 +530,7 @@
           <a:p>
             <a:fld id="{1D1C7887-FE64-E343-8A1A-268AF7ABBA6A}" type="datetimeFigureOut">
               <a:rPr lang="en-US" smtClean="0"/>
-              <a:t>10/26/21</a:t>
+              <a:t>10/28/22</a:t>
             </a:fld>
             <a:endParaRPr lang="en-US"/>
           </a:p>
@@ -708,7 +708,7 @@
           <a:p>
             <a:fld id="{1D1C7887-FE64-E343-8A1A-268AF7ABBA6A}" type="datetimeFigureOut">
               <a:rPr lang="en-US" smtClean="0"/>
-              <a:t>10/26/21</a:t>
+              <a:t>10/28/22</a:t>
             </a:fld>
             <a:endParaRPr lang="en-US"/>
           </a:p>
@@ -876,7 +876,7 @@
           <a:p>
             <a:fld id="{1D1C7887-FE64-E343-8A1A-268AF7ABBA6A}" type="datetimeFigureOut">
               <a:rPr lang="en-US" smtClean="0"/>
-              <a:t>10/26/21</a:t>
+              <a:t>10/28/22</a:t>
             </a:fld>
             <a:endParaRPr lang="en-US"/>
           </a:p>
@@ -1121,7 +1121,7 @@
           <a:p>
             <a:fld id="{1D1C7887-FE64-E343-8A1A-268AF7ABBA6A}" type="datetimeFigureOut">
               <a:rPr lang="en-US" smtClean="0"/>
-              <a:t>10/26/21</a:t>
+              <a:t>10/28/22</a:t>
             </a:fld>
             <a:endParaRPr lang="en-US"/>
           </a:p>
@@ -1406,7 +1406,7 @@
           <a:p>
             <a:fld id="{1D1C7887-FE64-E343-8A1A-268AF7ABBA6A}" type="datetimeFigureOut">
               <a:rPr lang="en-US" smtClean="0"/>
-              <a:t>10/26/21</a:t>
+              <a:t>10/28/22</a:t>
             </a:fld>
             <a:endParaRPr lang="en-US"/>
           </a:p>
@@ -1825,7 +1825,7 @@
           <a:p>
             <a:fld id="{1D1C7887-FE64-E343-8A1A-268AF7ABBA6A}" type="datetimeFigureOut">
               <a:rPr lang="en-US" smtClean="0"/>
-              <a:t>10/26/21</a:t>
+              <a:t>10/28/22</a:t>
             </a:fld>
             <a:endParaRPr lang="en-US"/>
           </a:p>
@@ -1942,7 +1942,7 @@
           <a:p>
             <a:fld id="{1D1C7887-FE64-E343-8A1A-268AF7ABBA6A}" type="datetimeFigureOut">
               <a:rPr lang="en-US" smtClean="0"/>
-              <a:t>10/26/21</a:t>
+              <a:t>10/28/22</a:t>
             </a:fld>
             <a:endParaRPr lang="en-US"/>
           </a:p>
@@ -2037,7 +2037,7 @@
           <a:p>
             <a:fld id="{1D1C7887-FE64-E343-8A1A-268AF7ABBA6A}" type="datetimeFigureOut">
               <a:rPr lang="en-US" smtClean="0"/>
-              <a:t>10/26/21</a:t>
+              <a:t>10/28/22</a:t>
             </a:fld>
             <a:endParaRPr lang="en-US"/>
           </a:p>
@@ -2312,7 +2312,7 @@
           <a:p>
             <a:fld id="{1D1C7887-FE64-E343-8A1A-268AF7ABBA6A}" type="datetimeFigureOut">
               <a:rPr lang="en-US" smtClean="0"/>
-              <a:t>10/26/21</a:t>
+              <a:t>10/28/22</a:t>
             </a:fld>
             <a:endParaRPr lang="en-US"/>
           </a:p>
@@ -2564,7 +2564,7 @@
           <a:p>
             <a:fld id="{1D1C7887-FE64-E343-8A1A-268AF7ABBA6A}" type="datetimeFigureOut">
               <a:rPr lang="en-US" smtClean="0"/>
-              <a:t>10/26/21</a:t>
+              <a:t>10/28/22</a:t>
             </a:fld>
             <a:endParaRPr lang="en-US"/>
           </a:p>
@@ -2775,7 +2775,7 @@
           <a:p>
             <a:fld id="{1D1C7887-FE64-E343-8A1A-268AF7ABBA6A}" type="datetimeFigureOut">
               <a:rPr lang="en-US" smtClean="0"/>
-              <a:t>10/26/21</a:t>
+              <a:t>10/28/22</a:t>
             </a:fld>
             <a:endParaRPr lang="en-US"/>
           </a:p>
@@ -8135,7 +8135,7 @@
                 <a:latin typeface="Courier New"/>
                 <a:cs typeface="Courier New"/>
               </a:rPr>
-              <a:t>++) </a:t>
+              <a:t>++) {</a:t>
             </a:r>
           </a:p>
           <a:p>
@@ -8162,6 +8162,19 @@
                 <a:cs typeface="Courier New"/>
               </a:rPr>
               <a:t>];</a:t>
+            </a:r>
+            <a:br>
+              <a:rPr lang="en-US" sz="2800" b="1" dirty="0">
+                <a:latin typeface="Courier New"/>
+                <a:cs typeface="Courier New"/>
+              </a:rPr>
+            </a:br>
+            <a:r>
+              <a:rPr lang="en-US" sz="2800" b="1" dirty="0">
+                <a:latin typeface="Courier New"/>
+                <a:cs typeface="Courier New"/>
+              </a:rPr>
+              <a:t>}</a:t>
             </a:r>
           </a:p>
           <a:p>
@@ -12332,7 +12345,7 @@
                 </a:solidFill>
                 <a:cs typeface="Courier New"/>
               </a:rPr>
-              <a:t>Hint: Suppose my array has 5 elements.  My best friend knows how to find the largest value in an array, but only for 4 elements.  How can I use him to solve my problem?</a:t>
+              <a:t>Hint: Suppose my array has 5 elements.  My best friend knows how to find the largest value in an array, but only for 4 elements.  How can I use them to solve my problem?</a:t>
             </a:r>
           </a:p>
         </p:txBody>
@@ -16964,6 +16977,14 @@
               </a:rPr>
               <a:t>sum(array)</a:t>
             </a:r>
+            <a:br>
+              <a:rPr lang="en-US" sz="2800" dirty="0">
+                <a:cs typeface="Courier New"/>
+              </a:rPr>
+            </a:br>
+            <a:endParaRPr lang="en-US" sz="2800" dirty="0">
+              <a:cs typeface="Courier New"/>
+            </a:endParaRPr>
           </a:p>
           <a:p>
             <a:r>

--- a/lectures/recursion/day4-binsearch-slides.pptx
+++ b/lectures/recursion/day4-binsearch-slides.pptx
@@ -32341,7 +32341,15 @@
             <a:pPr lvl="1"/>
             <a:r>
               <a:rPr lang="en-US" dirty="0"/>
-              <a:t>If found key: Return position found.</a:t>
+              <a:t>If key </a:t>
+            </a:r>
+            <a:r>
+              <a:rPr lang="en-US"/>
+              <a:t>is found: </a:t>
+            </a:r>
+            <a:r>
+              <a:rPr lang="en-US" dirty="0"/>
+              <a:t>Return position found.</a:t>
             </a:r>
           </a:p>
           <a:p>

--- a/lectures/recursion/day4-binsearch-slides.pptx
+++ b/lectures/recursion/day4-binsearch-slides.pptx
@@ -362,7 +362,7 @@
           <a:p>
             <a:fld id="{1D1C7887-FE64-E343-8A1A-268AF7ABBA6A}" type="datetimeFigureOut">
               <a:rPr lang="en-US" smtClean="0"/>
-              <a:t>10/28/22</a:t>
+              <a:t>11/2/22</a:t>
             </a:fld>
             <a:endParaRPr lang="en-US"/>
           </a:p>
@@ -530,7 +530,7 @@
           <a:p>
             <a:fld id="{1D1C7887-FE64-E343-8A1A-268AF7ABBA6A}" type="datetimeFigureOut">
               <a:rPr lang="en-US" smtClean="0"/>
-              <a:t>10/28/22</a:t>
+              <a:t>11/2/22</a:t>
             </a:fld>
             <a:endParaRPr lang="en-US"/>
           </a:p>
@@ -708,7 +708,7 @@
           <a:p>
             <a:fld id="{1D1C7887-FE64-E343-8A1A-268AF7ABBA6A}" type="datetimeFigureOut">
               <a:rPr lang="en-US" smtClean="0"/>
-              <a:t>10/28/22</a:t>
+              <a:t>11/2/22</a:t>
             </a:fld>
             <a:endParaRPr lang="en-US"/>
           </a:p>
@@ -876,7 +876,7 @@
           <a:p>
             <a:fld id="{1D1C7887-FE64-E343-8A1A-268AF7ABBA6A}" type="datetimeFigureOut">
               <a:rPr lang="en-US" smtClean="0"/>
-              <a:t>10/28/22</a:t>
+              <a:t>11/2/22</a:t>
             </a:fld>
             <a:endParaRPr lang="en-US"/>
           </a:p>
@@ -1121,7 +1121,7 @@
           <a:p>
             <a:fld id="{1D1C7887-FE64-E343-8A1A-268AF7ABBA6A}" type="datetimeFigureOut">
               <a:rPr lang="en-US" smtClean="0"/>
-              <a:t>10/28/22</a:t>
+              <a:t>11/2/22</a:t>
             </a:fld>
             <a:endParaRPr lang="en-US"/>
           </a:p>
@@ -1406,7 +1406,7 @@
           <a:p>
             <a:fld id="{1D1C7887-FE64-E343-8A1A-268AF7ABBA6A}" type="datetimeFigureOut">
               <a:rPr lang="en-US" smtClean="0"/>
-              <a:t>10/28/22</a:t>
+              <a:t>11/2/22</a:t>
             </a:fld>
             <a:endParaRPr lang="en-US"/>
           </a:p>
@@ -1825,7 +1825,7 @@
           <a:p>
             <a:fld id="{1D1C7887-FE64-E343-8A1A-268AF7ABBA6A}" type="datetimeFigureOut">
               <a:rPr lang="en-US" smtClean="0"/>
-              <a:t>10/28/22</a:t>
+              <a:t>11/2/22</a:t>
             </a:fld>
             <a:endParaRPr lang="en-US"/>
           </a:p>
@@ -1942,7 +1942,7 @@
           <a:p>
             <a:fld id="{1D1C7887-FE64-E343-8A1A-268AF7ABBA6A}" type="datetimeFigureOut">
               <a:rPr lang="en-US" smtClean="0"/>
-              <a:t>10/28/22</a:t>
+              <a:t>11/2/22</a:t>
             </a:fld>
             <a:endParaRPr lang="en-US"/>
           </a:p>
@@ -2037,7 +2037,7 @@
           <a:p>
             <a:fld id="{1D1C7887-FE64-E343-8A1A-268AF7ABBA6A}" type="datetimeFigureOut">
               <a:rPr lang="en-US" smtClean="0"/>
-              <a:t>10/28/22</a:t>
+              <a:t>11/2/22</a:t>
             </a:fld>
             <a:endParaRPr lang="en-US"/>
           </a:p>
@@ -2312,7 +2312,7 @@
           <a:p>
             <a:fld id="{1D1C7887-FE64-E343-8A1A-268AF7ABBA6A}" type="datetimeFigureOut">
               <a:rPr lang="en-US" smtClean="0"/>
-              <a:t>10/28/22</a:t>
+              <a:t>11/2/22</a:t>
             </a:fld>
             <a:endParaRPr lang="en-US"/>
           </a:p>
@@ -2564,7 +2564,7 @@
           <a:p>
             <a:fld id="{1D1C7887-FE64-E343-8A1A-268AF7ABBA6A}" type="datetimeFigureOut">
               <a:rPr lang="en-US" smtClean="0"/>
-              <a:t>10/28/22</a:t>
+              <a:t>11/2/22</a:t>
             </a:fld>
             <a:endParaRPr lang="en-US"/>
           </a:p>
@@ -2775,7 +2775,7 @@
           <a:p>
             <a:fld id="{1D1C7887-FE64-E343-8A1A-268AF7ABBA6A}" type="datetimeFigureOut">
               <a:rPr lang="en-US" smtClean="0"/>
-              <a:t>10/28/22</a:t>
+              <a:t>11/2/22</a:t>
             </a:fld>
             <a:endParaRPr lang="en-US"/>
           </a:p>
@@ -12207,7 +12207,13 @@
               <a:rPr lang="en-US" sz="2400" dirty="0">
                 <a:cs typeface="Courier New"/>
               </a:rPr>
-              <a:t> + array[0]</a:t>
+              <a:t> + array[</a:t>
+            </a:r>
+            <a:r>
+              <a:rPr lang="en-US" sz="2400">
+                <a:cs typeface="Courier New"/>
+              </a:rPr>
+              <a:t>leftIdx]</a:t>
             </a:r>
             <a:br>
               <a:rPr lang="en-US" sz="2400" dirty="0">
@@ -32341,15 +32347,7 @@
             <a:pPr lvl="1"/>
             <a:r>
               <a:rPr lang="en-US" dirty="0"/>
-              <a:t>If key </a:t>
-            </a:r>
-            <a:r>
-              <a:rPr lang="en-US"/>
-              <a:t>is found: </a:t>
-            </a:r>
-            <a:r>
-              <a:rPr lang="en-US" dirty="0"/>
-              <a:t>Return position found.</a:t>
+              <a:t>If key is found: Return position found.</a:t>
             </a:r>
           </a:p>
           <a:p>
